--- a/vagrant-for-dev/index.pptx
+++ b/vagrant-for-dev/index.pptx
@@ -4444,15 +4444,21 @@
         </p:nvSpPr>
         <p:spPr/>
         <p:txBody>
-          <a:bodyPr/>
+          <a:bodyPr>
+            <a:normAutofit fontScale="90000"/>
+          </a:bodyPr>
           <a:p>
             <a:r>
               <a:rPr lang="zh-CN" altLang="zh-CN"/>
               <a:t>使用vagrant </a:t>
             </a:r>
             <a:r>
+              <a:rPr lang="zh-CN" altLang="en-US"/>
+              <a:t>和</a:t>
+            </a:r>
+            <a:r>
               <a:rPr lang="en-US" altLang="zh-CN"/>
-              <a:t>+ virtual box</a:t>
+              <a:t> virtualbox</a:t>
             </a:r>
             <a:r>
               <a:rPr lang="zh-CN" altLang="zh-CN"/>
@@ -4555,9 +4561,19 @@
           <a:bodyPr/>
           <a:p>
             <a:r>
-              <a:rPr lang="zh-CN" altLang="en-US"/>
-              <a:t>https://www.vagrantup.com/</a:t>
-            </a:r>
+              <a:rPr lang="zh-CN" altLang="en-US" b="1"/>
+              <a:t>https://www.vagrantup.com/docs/index.html</a:t>
+            </a:r>
+            <a:endParaRPr lang="zh-CN" altLang="en-US" b="1"/>
+          </a:p>
+          <a:p>
+            <a:r>
+              <a:rPr lang="zh-CN" altLang="en-US" b="1"/>
+              <a:t>https://app.vagrantup.com/boxes/search</a:t>
+            </a:r>
+            <a:endParaRPr lang="zh-CN" altLang="en-US" b="1"/>
+          </a:p>
+          <a:p>
             <a:endParaRPr lang="zh-CN" altLang="en-US"/>
           </a:p>
           <a:p>
@@ -4804,7 +4820,34 @@
         <p:txBody>
           <a:bodyPr/>
           <a:p>
-            <a:endParaRPr lang="zh-CN" altLang="en-US"/>
+            <a:r>
+              <a:rPr lang="en-US" altLang="zh-CN"/>
+              <a:t>1 virtual box</a:t>
+            </a:r>
+            <a:endParaRPr lang="en-US" altLang="zh-CN"/>
+          </a:p>
+          <a:p>
+            <a:pPr lvl="1"/>
+            <a:r>
+              <a:rPr lang="en-US" altLang="zh-CN" sz="1200"/>
+              <a:t>https://www.virtualbox.org/</a:t>
+            </a:r>
+            <a:endParaRPr lang="en-US" altLang="zh-CN" sz="1200"/>
+          </a:p>
+          <a:p>
+            <a:r>
+              <a:rPr lang="en-US" altLang="zh-CN"/>
+              <a:t>2 vagrant</a:t>
+            </a:r>
+            <a:endParaRPr lang="en-US" altLang="zh-CN"/>
+          </a:p>
+          <a:p>
+            <a:pPr lvl="1"/>
+            <a:r>
+              <a:rPr lang="en-US" altLang="zh-CN" sz="1200"/>
+              <a:t>https://www.vagrantup.com/</a:t>
+            </a:r>
+            <a:endParaRPr lang="en-US" altLang="zh-CN" sz="1200"/>
           </a:p>
         </p:txBody>
       </p:sp>
@@ -5078,27 +5121,38 @@
           </a:p>
         </p:txBody>
       </p:sp>
-      <p:sp>
-        <p:nvSpPr>
-          <p:cNvPr id="3" name="内容占位符 2"/>
-          <p:cNvSpPr>
-            <a:spLocks noGrp="1"/>
-          </p:cNvSpPr>
+      <p:pic>
+        <p:nvPicPr>
+          <p:cNvPr id="4" name="内容占位符 3"/>
+          <p:cNvPicPr>
+            <a:picLocks noChangeAspect="1"/>
+          </p:cNvPicPr>
           <p:nvPr>
             <p:ph idx="1"/>
-          </p:nvPr>
-        </p:nvSpPr>
-        <p:spPr/>
-        <p:txBody>
-          <a:bodyPr/>
-          <a:p>
-            <a:endParaRPr lang="zh-CN" altLang="en-US"/>
-          </a:p>
-        </p:txBody>
-      </p:sp>
+            <p:custDataLst>
+              <p:tags r:id="rId1"/>
+            </p:custDataLst>
+          </p:nvPr>
+        </p:nvPicPr>
+        <p:blipFill>
+          <a:blip r:embed="rId2"/>
+          <a:stretch>
+            <a:fillRect/>
+          </a:stretch>
+        </p:blipFill>
+        <p:spPr>
+          <a:xfrm>
+            <a:off x="2233295" y="1490345"/>
+            <a:ext cx="7717790" cy="4759325"/>
+          </a:xfrm>
+          <a:prstGeom prst="rect">
+            <a:avLst/>
+          </a:prstGeom>
+        </p:spPr>
+      </p:pic>
     </p:spTree>
     <p:custDataLst>
-      <p:tags r:id="rId1"/>
+      <p:tags r:id="rId3"/>
     </p:custDataLst>
   </p:cSld>
   <p:clrMapOvr>
@@ -5429,7 +5483,109 @@
         <p:txBody>
           <a:bodyPr/>
           <a:p>
+            <a:r>
+              <a:rPr lang="en-US" altLang="zh-CN"/>
+              <a:t>A</a:t>
+            </a:r>
+            <a:r>
+              <a:rPr lang="zh-CN" altLang="en-US"/>
+              <a:t>llow you to automatically install software, alter configurations, and more on the machine as part of the </a:t>
+            </a:r>
+            <a:r>
+              <a:rPr lang="zh-CN" altLang="en-US">
+                <a:solidFill>
+                  <a:srgbClr val="FF0000"/>
+                </a:solidFill>
+              </a:rPr>
+              <a:t>vagrant up</a:t>
+            </a:r>
+            <a:r>
+              <a:rPr lang="zh-CN" altLang="en-US"/>
+              <a:t> process.</a:t>
+            </a:r>
             <a:endParaRPr lang="zh-CN" altLang="en-US"/>
+          </a:p>
+          <a:p>
+            <a:endParaRPr lang="zh-CN" altLang="en-US"/>
+          </a:p>
+          <a:p>
+            <a:r>
+              <a:rPr lang="zh-CN" altLang="en-US"/>
+              <a:t>什么时间执行</a:t>
+            </a:r>
+            <a:r>
+              <a:rPr lang="en-US" altLang="zh-CN"/>
+              <a:t>?</a:t>
+            </a:r>
+            <a:endParaRPr lang="zh-CN" altLang="en-US"/>
+          </a:p>
+          <a:p>
+            <a:r>
+              <a:rPr lang="en-US" altLang="zh-CN" sz="1400" b="1"/>
+              <a:t>- 1 </a:t>
+            </a:r>
+            <a:r>
+              <a:rPr sz="1400" b="1"/>
+              <a:t>第一次执行</a:t>
+            </a:r>
+            <a:r>
+              <a:rPr lang="en-US" altLang="zh-CN" sz="1400" b="1"/>
+              <a:t>vagrant up</a:t>
+            </a:r>
+            <a:endParaRPr lang="en-US" altLang="zh-CN" sz="1400" b="1"/>
+          </a:p>
+          <a:p>
+            <a:r>
+              <a:rPr lang="en-US" altLang="zh-CN" sz="1400" b="1"/>
+              <a:t>- 2 </a:t>
+            </a:r>
+            <a:r>
+              <a:rPr lang="en-US" altLang="zh-CN" sz="1400" b="1">
+                <a:sym typeface="+mn-ea"/>
+              </a:rPr>
+              <a:t>vagrant reload --provision</a:t>
+            </a:r>
+            <a:endParaRPr lang="en-US" altLang="zh-CN" sz="1400" b="1"/>
+          </a:p>
+          <a:p>
+            <a:r>
+              <a:rPr lang="en-US" altLang="zh-CN" sz="1400"/>
+              <a:t>- 3 </a:t>
+            </a:r>
+            <a:r>
+              <a:rPr lang="en-US" altLang="zh-CN" sz="1400">
+                <a:sym typeface="+mn-ea"/>
+              </a:rPr>
+              <a:t>vagrant provision</a:t>
+            </a:r>
+            <a:endParaRPr lang="en-US" altLang="zh-CN" sz="1400">
+              <a:sym typeface="+mn-ea"/>
+            </a:endParaRPr>
+          </a:p>
+          <a:p>
+            <a:endParaRPr lang="en-US" altLang="zh-CN" sz="1400"/>
+          </a:p>
+          <a:p>
+            <a:pPr algn="l">
+              <a:buClrTx/>
+              <a:buSzTx/>
+            </a:pPr>
+            <a:r>
+              <a:rPr sz="1800"/>
+              <a:t>我们看下文档</a:t>
+            </a:r>
+            <a:endParaRPr sz="1800"/>
+          </a:p>
+          <a:p>
+            <a:pPr algn="l">
+              <a:buClrTx/>
+              <a:buSzTx/>
+            </a:pPr>
+            <a:r>
+              <a:rPr sz="1800"/>
+              <a:t>来演示一个例子</a:t>
+            </a:r>
+            <a:endParaRPr sz="1800"/>
           </a:p>
         </p:txBody>
       </p:sp>
@@ -6329,13 +6485,20 @@
 
 <file path=ppt/tags/tag70.xml><?xml version="1.0" encoding="utf-8"?>
 <p:tagLst xmlns:p="http://schemas.openxmlformats.org/presentationml/2006/main">
+  <p:tag name="REFSHAPE" val="381764356"/>
+  <p:tag name="KSO_WM_UNIT_PLACING_PICTURE_USER_VIEWPORT" val="{&quot;height&quot;:7495,&quot;width&quot;:12154}"/>
+</p:tagLst>
+</file>
+
+<file path=ppt/tags/tag71.xml><?xml version="1.0" encoding="utf-8"?>
+<p:tagLst xmlns:p="http://schemas.openxmlformats.org/presentationml/2006/main">
   <p:tag name="KSO_WM_BEAUTIFY_FLAG" val="#wm#"/>
   <p:tag name="KSO_WM_TEMPLATE_CATEGORY" val="custom"/>
   <p:tag name="KSO_WM_TEMPLATE_INDEX" val="20205176"/>
 </p:tagLst>
 </file>
 
-<file path=ppt/tags/tag71.xml><?xml version="1.0" encoding="utf-8"?>
+<file path=ppt/tags/tag72.xml><?xml version="1.0" encoding="utf-8"?>
 <p:tagLst xmlns:p="http://schemas.openxmlformats.org/presentationml/2006/main">
   <p:tag name="KSO_WM_BEAUTIFY_FLAG" val="#wm#"/>
   <p:tag name="KSO_WM_TEMPLATE_CATEGORY" val="custom"/>
@@ -6343,7 +6506,7 @@
 </p:tagLst>
 </file>
 
-<file path=ppt/tags/tag72.xml><?xml version="1.0" encoding="utf-8"?>
+<file path=ppt/tags/tag73.xml><?xml version="1.0" encoding="utf-8"?>
 <p:tagLst xmlns:p="http://schemas.openxmlformats.org/presentationml/2006/main">
   <p:tag name="KSO_WM_BEAUTIFY_FLAG" val="#wm#"/>
   <p:tag name="KSO_WM_TEMPLATE_CATEGORY" val="custom"/>
@@ -6351,7 +6514,7 @@
 </p:tagLst>
 </file>
 
-<file path=ppt/tags/tag73.xml><?xml version="1.0" encoding="utf-8"?>
+<file path=ppt/tags/tag74.xml><?xml version="1.0" encoding="utf-8"?>
 <p:tagLst xmlns:p="http://schemas.openxmlformats.org/presentationml/2006/main">
   <p:tag name="KSO_WM_BEAUTIFY_FLAG" val="#wm#"/>
   <p:tag name="KSO_WM_TEMPLATE_CATEGORY" val="custom"/>
@@ -6359,7 +6522,7 @@
 </p:tagLst>
 </file>
 
-<file path=ppt/tags/tag74.xml><?xml version="1.0" encoding="utf-8"?>
+<file path=ppt/tags/tag75.xml><?xml version="1.0" encoding="utf-8"?>
 <p:tagLst xmlns:p="http://schemas.openxmlformats.org/presentationml/2006/main">
   <p:tag name="KSO_WM_BEAUTIFY_FLAG" val="#wm#"/>
   <p:tag name="KSO_WM_TEMPLATE_CATEGORY" val="custom"/>
@@ -6367,7 +6530,7 @@
 </p:tagLst>
 </file>
 
-<file path=ppt/tags/tag75.xml><?xml version="1.0" encoding="utf-8"?>
+<file path=ppt/tags/tag76.xml><?xml version="1.0" encoding="utf-8"?>
 <p:tagLst xmlns:p="http://schemas.openxmlformats.org/presentationml/2006/main">
   <p:tag name="KSO_WM_BEAUTIFY_FLAG" val="#wm#"/>
   <p:tag name="KSO_WM_TEMPLATE_CATEGORY" val="custom"/>

--- a/vagrant-for-dev/index.pptx
+++ b/vagrant-for-dev/index.pptx
@@ -8,13 +8,14 @@
     <p:sldId id="409" r:id="rId3"/>
     <p:sldId id="415" r:id="rId4"/>
     <p:sldId id="416" r:id="rId5"/>
-    <p:sldId id="418" r:id="rId6"/>
-    <p:sldId id="424" r:id="rId7"/>
-    <p:sldId id="420" r:id="rId8"/>
-    <p:sldId id="421" r:id="rId9"/>
-    <p:sldId id="422" r:id="rId10"/>
-    <p:sldId id="419" r:id="rId11"/>
-    <p:sldId id="425" r:id="rId12"/>
+    <p:sldId id="430" r:id="rId6"/>
+    <p:sldId id="418" r:id="rId7"/>
+    <p:sldId id="424" r:id="rId8"/>
+    <p:sldId id="420" r:id="rId9"/>
+    <p:sldId id="421" r:id="rId10"/>
+    <p:sldId id="422" r:id="rId11"/>
+    <p:sldId id="419" r:id="rId12"/>
+    <p:sldId id="425" r:id="rId13"/>
   </p:sldIdLst>
   <p:sldSz cx="12192000" cy="6858000"/>
   <p:notesSz cx="6858000" cy="9144000"/>
@@ -4539,6 +4540,181 @@
           <a:bodyPr/>
           <a:p>
             <a:r>
+              <a:rPr lang="zh-CN" altLang="en-US"/>
+              <a:t>设置器</a:t>
+            </a:r>
+            <a:r>
+              <a:rPr lang="en-US" altLang="zh-CN"/>
+              <a:t>(Provisioners)</a:t>
+            </a:r>
+            <a:r>
+              <a:t>的使用</a:t>
+            </a:r>
+          </a:p>
+        </p:txBody>
+      </p:sp>
+      <p:sp>
+        <p:nvSpPr>
+          <p:cNvPr id="3" name="内容占位符 2"/>
+          <p:cNvSpPr>
+            <a:spLocks noGrp="1"/>
+          </p:cNvSpPr>
+          <p:nvPr>
+            <p:ph idx="1"/>
+          </p:nvPr>
+        </p:nvSpPr>
+        <p:spPr/>
+        <p:txBody>
+          <a:bodyPr/>
+          <a:p>
+            <a:r>
+              <a:rPr lang="en-US" altLang="zh-CN"/>
+              <a:t>A</a:t>
+            </a:r>
+            <a:r>
+              <a:rPr lang="zh-CN" altLang="en-US"/>
+              <a:t>llow you to automatically install software, alter configurations, and more on the machine as part of the </a:t>
+            </a:r>
+            <a:r>
+              <a:rPr lang="zh-CN" altLang="en-US">
+                <a:solidFill>
+                  <a:srgbClr val="FF0000"/>
+                </a:solidFill>
+              </a:rPr>
+              <a:t>vagrant up</a:t>
+            </a:r>
+            <a:r>
+              <a:rPr lang="zh-CN" altLang="en-US"/>
+              <a:t> process.</a:t>
+            </a:r>
+            <a:endParaRPr lang="zh-CN" altLang="en-US"/>
+          </a:p>
+          <a:p>
+            <a:endParaRPr lang="zh-CN" altLang="en-US"/>
+          </a:p>
+          <a:p>
+            <a:r>
+              <a:rPr lang="zh-CN" altLang="en-US"/>
+              <a:t>什么时间执行</a:t>
+            </a:r>
+            <a:r>
+              <a:rPr lang="en-US" altLang="zh-CN"/>
+              <a:t>?</a:t>
+            </a:r>
+            <a:endParaRPr lang="zh-CN" altLang="en-US"/>
+          </a:p>
+          <a:p>
+            <a:r>
+              <a:rPr lang="en-US" altLang="zh-CN" sz="1400" b="1"/>
+              <a:t>- 1 </a:t>
+            </a:r>
+            <a:r>
+              <a:rPr sz="1400" b="1"/>
+              <a:t>第一次执行</a:t>
+            </a:r>
+            <a:r>
+              <a:rPr lang="en-US" altLang="zh-CN" sz="1400" b="1"/>
+              <a:t>vagrant up</a:t>
+            </a:r>
+            <a:endParaRPr lang="en-US" altLang="zh-CN" sz="1400" b="1"/>
+          </a:p>
+          <a:p>
+            <a:r>
+              <a:rPr lang="en-US" altLang="zh-CN" sz="1400" b="1"/>
+              <a:t>- 2 </a:t>
+            </a:r>
+            <a:r>
+              <a:rPr lang="en-US" altLang="zh-CN" sz="1400" b="1">
+                <a:sym typeface="+mn-ea"/>
+              </a:rPr>
+              <a:t>vagrant reload --provision</a:t>
+            </a:r>
+            <a:endParaRPr lang="en-US" altLang="zh-CN" sz="1400" b="1"/>
+          </a:p>
+          <a:p>
+            <a:r>
+              <a:rPr lang="en-US" altLang="zh-CN" sz="1400"/>
+              <a:t>- 3 </a:t>
+            </a:r>
+            <a:r>
+              <a:rPr lang="en-US" altLang="zh-CN" sz="1400">
+                <a:sym typeface="+mn-ea"/>
+              </a:rPr>
+              <a:t>vagrant provision</a:t>
+            </a:r>
+            <a:endParaRPr lang="en-US" altLang="zh-CN" sz="1400">
+              <a:sym typeface="+mn-ea"/>
+            </a:endParaRPr>
+          </a:p>
+          <a:p>
+            <a:endParaRPr lang="en-US" altLang="zh-CN" sz="1400"/>
+          </a:p>
+          <a:p>
+            <a:pPr algn="l">
+              <a:buClrTx/>
+              <a:buSzTx/>
+            </a:pPr>
+            <a:r>
+              <a:rPr sz="1800"/>
+              <a:t>我们看下文档</a:t>
+            </a:r>
+            <a:endParaRPr sz="1800"/>
+          </a:p>
+          <a:p>
+            <a:pPr algn="l">
+              <a:buClrTx/>
+              <a:buSzTx/>
+            </a:pPr>
+            <a:r>
+              <a:rPr sz="1800"/>
+              <a:t>来演示一个例子</a:t>
+            </a:r>
+            <a:endParaRPr sz="1800"/>
+          </a:p>
+        </p:txBody>
+      </p:sp>
+    </p:spTree>
+    <p:custDataLst>
+      <p:tags r:id="rId1"/>
+    </p:custDataLst>
+  </p:cSld>
+  <p:clrMapOvr>
+    <a:masterClrMapping/>
+  </p:clrMapOvr>
+</p:sld>
+</file>
+
+<file path=ppt/slides/slide11.xml><?xml version="1.0" encoding="utf-8"?>
+<p:sld xmlns:a="http://schemas.openxmlformats.org/drawingml/2006/main" xmlns:r="http://schemas.openxmlformats.org/officeDocument/2006/relationships" xmlns:p="http://schemas.openxmlformats.org/presentationml/2006/main">
+  <p:cSld>
+    <p:bg>
+      <p:bgPr>
+        <a:noFill/>
+        <a:effectLst/>
+      </p:bgPr>
+    </p:bg>
+    <p:spTree>
+      <p:nvGrpSpPr>
+        <p:cNvPr id="1" name=""/>
+        <p:cNvGrpSpPr/>
+        <p:nvPr/>
+      </p:nvGrpSpPr>
+      <p:grpSpPr/>
+      <p:sp>
+        <p:nvSpPr>
+          <p:cNvPr id="2" name="标题 1"/>
+          <p:cNvSpPr>
+            <a:spLocks noGrp="1"/>
+          </p:cNvSpPr>
+          <p:nvPr>
+            <p:ph type="title"/>
+          </p:nvPr>
+        </p:nvSpPr>
+        <p:spPr/>
+        <p:txBody>
+          <a:bodyPr/>
+          <a:p>
+            <a:r>
               <a:rPr lang="en-US" altLang="zh-CN"/>
               <a:t>reference</a:t>
             </a:r>
@@ -4684,11 +4860,37 @@
             <a:endParaRPr lang="en-US" altLang="zh-CN"/>
           </a:p>
           <a:p>
-            <a:r>
-              <a:rPr lang="en-US" altLang="zh-CN"/>
-              <a:t>vagrant</a:t>
+            <a:pPr lvl="1"/>
+            <a:r>
+              <a:rPr sz="1200" b="1"/>
+              <a:t>这里要和容器区别开</a:t>
+            </a:r>
+            <a:endParaRPr sz="1200" b="1"/>
+          </a:p>
+          <a:p>
+            <a:pPr lvl="1"/>
+            <a:r>
+              <a:rPr lang="en-US" altLang="zh-CN" sz="1200" b="1"/>
+              <a:t> VMware / Hyper-V / Virtualbox</a:t>
+            </a:r>
+            <a:endParaRPr lang="en-US" altLang="zh-CN" sz="1200" b="1"/>
+          </a:p>
+          <a:p>
+            <a:r>
+              <a:rPr lang="en-US" altLang="zh-CN">
+                <a:sym typeface="+mn-ea"/>
+              </a:rPr>
+              <a:t>Vagrant</a:t>
             </a:r>
             <a:endParaRPr lang="en-US" altLang="zh-CN"/>
+          </a:p>
+          <a:p>
+            <a:pPr lvl="1"/>
+            <a:r>
+              <a:rPr lang="en-US" altLang="zh-CN" sz="1600"/>
+              <a:t>- the command line utility for managing the lifecycle of virtual machines.</a:t>
+            </a:r>
+            <a:endParaRPr lang="en-US" altLang="zh-CN" sz="1600"/>
           </a:p>
           <a:p>
             <a:r>
@@ -4722,8 +4924,8 @@
         </p:blipFill>
         <p:spPr>
           <a:xfrm>
-            <a:off x="7124065" y="4643120"/>
-            <a:ext cx="4650105" cy="1466215"/>
+            <a:off x="6395085" y="4652010"/>
+            <a:ext cx="3710940" cy="1170305"/>
           </a:xfrm>
           <a:prstGeom prst="rect">
             <a:avLst/>
@@ -4747,7 +4949,7 @@
         <p:spPr>
           <a:xfrm>
             <a:off x="4555490" y="4652010"/>
-            <a:ext cx="1314450" cy="1457325"/>
+            <a:ext cx="1229995" cy="1363980"/>
           </a:xfrm>
           <a:prstGeom prst="rect">
             <a:avLst/>
@@ -4849,6 +5051,18 @@
             </a:r>
             <a:endParaRPr lang="en-US" altLang="zh-CN" sz="1200"/>
           </a:p>
+          <a:p>
+            <a:pPr lvl="1"/>
+            <a:r>
+              <a:rPr sz="1200"/>
+              <a:t>自动修改</a:t>
+            </a:r>
+            <a:r>
+              <a:rPr lang="en-US" altLang="zh-CN" sz="1200"/>
+              <a:t>PATH</a:t>
+            </a:r>
+            <a:endParaRPr lang="en-US" altLang="zh-CN" sz="1200"/>
+          </a:p>
         </p:txBody>
       </p:sp>
     </p:spTree>
@@ -4893,6 +5107,148 @@
           <a:bodyPr/>
           <a:p>
             <a:r>
+              <a:t>选择一个合适的SSH客户机</a:t>
+            </a:r>
+          </a:p>
+        </p:txBody>
+      </p:sp>
+      <p:sp>
+        <p:nvSpPr>
+          <p:cNvPr id="3" name="内容占位符 2"/>
+          <p:cNvSpPr>
+            <a:spLocks noGrp="1"/>
+          </p:cNvSpPr>
+          <p:nvPr>
+            <p:ph idx="1"/>
+          </p:nvPr>
+        </p:nvSpPr>
+        <p:spPr/>
+        <p:txBody>
+          <a:bodyPr/>
+          <a:p>
+            <a:r>
+              <a:rPr lang="en-US" altLang="zh-CN"/>
+              <a:t>Windows</a:t>
+            </a:r>
+            <a:r>
+              <a:t>平台</a:t>
+            </a:r>
+            <a:endParaRPr lang="en-US" altLang="zh-CN"/>
+          </a:p>
+          <a:p>
+            <a:r>
+              <a:rPr lang="en-US" altLang="zh-CN" sz="1400" b="1"/>
+              <a:t>- Git Bash (</a:t>
+            </a:r>
+            <a:r>
+              <a:rPr sz="1400" b="1"/>
+              <a:t>推荐</a:t>
+            </a:r>
+            <a:r>
+              <a:rPr lang="en-US" altLang="zh-CN" sz="1400" b="1"/>
+              <a:t>)</a:t>
+            </a:r>
+            <a:endParaRPr lang="en-US" altLang="zh-CN" sz="1400" b="1"/>
+          </a:p>
+          <a:p>
+            <a:r>
+              <a:rPr lang="en-US" altLang="zh-CN" sz="1400"/>
+              <a:t>- Xshell</a:t>
+            </a:r>
+            <a:endParaRPr lang="en-US" altLang="zh-CN" sz="1400"/>
+          </a:p>
+        </p:txBody>
+      </p:sp>
+      <p:pic>
+        <p:nvPicPr>
+          <p:cNvPr id="5" name="图片 4"/>
+          <p:cNvPicPr>
+            <a:picLocks noChangeAspect="1"/>
+          </p:cNvPicPr>
+          <p:nvPr/>
+        </p:nvPicPr>
+        <p:blipFill>
+          <a:blip r:embed="rId1"/>
+          <a:stretch>
+            <a:fillRect/>
+          </a:stretch>
+        </p:blipFill>
+        <p:spPr>
+          <a:xfrm>
+            <a:off x="7186295" y="4579620"/>
+            <a:ext cx="1537335" cy="1512570"/>
+          </a:xfrm>
+          <a:prstGeom prst="rect">
+            <a:avLst/>
+          </a:prstGeom>
+        </p:spPr>
+      </p:pic>
+      <p:pic>
+        <p:nvPicPr>
+          <p:cNvPr id="7" name="图片 6"/>
+          <p:cNvPicPr>
+            <a:picLocks noChangeAspect="1"/>
+          </p:cNvPicPr>
+          <p:nvPr/>
+        </p:nvPicPr>
+        <p:blipFill>
+          <a:blip r:embed="rId2"/>
+          <a:stretch>
+            <a:fillRect/>
+          </a:stretch>
+        </p:blipFill>
+        <p:spPr>
+          <a:xfrm>
+            <a:off x="9105265" y="4950460"/>
+            <a:ext cx="2181225" cy="771525"/>
+          </a:xfrm>
+          <a:prstGeom prst="rect">
+            <a:avLst/>
+          </a:prstGeom>
+        </p:spPr>
+      </p:pic>
+    </p:spTree>
+    <p:custDataLst>
+      <p:tags r:id="rId3"/>
+    </p:custDataLst>
+  </p:cSld>
+  <p:clrMapOvr>
+    <a:masterClrMapping/>
+  </p:clrMapOvr>
+</p:sld>
+</file>
+
+<file path=ppt/slides/slide5.xml><?xml version="1.0" encoding="utf-8"?>
+<p:sld xmlns:a="http://schemas.openxmlformats.org/drawingml/2006/main" xmlns:r="http://schemas.openxmlformats.org/officeDocument/2006/relationships" xmlns:p="http://schemas.openxmlformats.org/presentationml/2006/main">
+  <p:cSld>
+    <p:bg>
+      <p:bgPr>
+        <a:noFill/>
+        <a:effectLst/>
+      </p:bgPr>
+    </p:bg>
+    <p:spTree>
+      <p:nvGrpSpPr>
+        <p:cNvPr id="1" name=""/>
+        <p:cNvGrpSpPr/>
+        <p:nvPr/>
+      </p:nvGrpSpPr>
+      <p:grpSpPr/>
+      <p:sp>
+        <p:nvSpPr>
+          <p:cNvPr id="2" name="标题 1"/>
+          <p:cNvSpPr>
+            <a:spLocks noGrp="1"/>
+          </p:cNvSpPr>
+          <p:nvPr>
+            <p:ph type="title"/>
+          </p:nvPr>
+        </p:nvSpPr>
+        <p:spPr/>
+        <p:txBody>
+          <a:bodyPr/>
+          <a:p>
+            <a:r>
               <a:rPr lang="en-US" altLang="zh-CN"/>
               <a:t>vagrant </a:t>
             </a:r>
@@ -4991,6 +5347,17 @@
               <a:t>虚拟机相关</a:t>
             </a:r>
             <a:endParaRPr lang="en-US" altLang="zh-CN" sz="1800"/>
+          </a:p>
+          <a:p>
+            <a:pPr algn="l">
+              <a:buClrTx/>
+              <a:buSzTx/>
+            </a:pPr>
+            <a:r>
+              <a:rPr lang="en-US" altLang="zh-CN" sz="1400"/>
+              <a:t>- vagrant init</a:t>
+            </a:r>
+            <a:endParaRPr lang="en-US" altLang="zh-CN" sz="1400"/>
           </a:p>
           <a:p>
             <a:pPr algn="l">
@@ -5073,7 +5440,7 @@
 </p:sld>
 </file>
 
-<file path=ppt/slides/slide5.xml><?xml version="1.0" encoding="utf-8"?>
+<file path=ppt/slides/slide6.xml><?xml version="1.0" encoding="utf-8"?>
 <p:sld xmlns:a="http://schemas.openxmlformats.org/drawingml/2006/main" xmlns:r="http://schemas.openxmlformats.org/officeDocument/2006/relationships" xmlns:p="http://schemas.openxmlformats.org/presentationml/2006/main">
   <p:cSld>
     <p:bg>
@@ -5161,99 +5528,6 @@
 </p:sld>
 </file>
 
-<file path=ppt/slides/slide6.xml><?xml version="1.0" encoding="utf-8"?>
-<p:sld xmlns:a="http://schemas.openxmlformats.org/drawingml/2006/main" xmlns:r="http://schemas.openxmlformats.org/officeDocument/2006/relationships" xmlns:p="http://schemas.openxmlformats.org/presentationml/2006/main">
-  <p:cSld>
-    <p:bg>
-      <p:bgPr>
-        <a:noFill/>
-        <a:effectLst/>
-      </p:bgPr>
-    </p:bg>
-    <p:spTree>
-      <p:nvGrpSpPr>
-        <p:cNvPr id="1" name=""/>
-        <p:cNvGrpSpPr/>
-        <p:nvPr/>
-      </p:nvGrpSpPr>
-      <p:grpSpPr/>
-      <p:sp>
-        <p:nvSpPr>
-          <p:cNvPr id="2" name="标题 1"/>
-          <p:cNvSpPr>
-            <a:spLocks noGrp="1"/>
-          </p:cNvSpPr>
-          <p:nvPr>
-            <p:ph type="title"/>
-          </p:nvPr>
-        </p:nvSpPr>
-        <p:spPr/>
-        <p:txBody>
-          <a:bodyPr>
-            <a:normAutofit/>
-          </a:bodyPr>
-          <a:p>
-            <a:r>
-              <a:t>三种网络模型</a:t>
-            </a:r>
-          </a:p>
-        </p:txBody>
-      </p:sp>
-      <p:sp>
-        <p:nvSpPr>
-          <p:cNvPr id="3" name="内容占位符 2"/>
-          <p:cNvSpPr>
-            <a:spLocks noGrp="1"/>
-          </p:cNvSpPr>
-          <p:nvPr>
-            <p:ph idx="1"/>
-          </p:nvPr>
-        </p:nvSpPr>
-        <p:spPr/>
-        <p:txBody>
-          <a:bodyPr/>
-          <a:p>
-            <a:r>
-              <a:rPr>
-                <a:sym typeface="+mn-ea"/>
-              </a:rPr>
-              <a:t>forwarded_por</a:t>
-            </a:r>
-            <a:r>
-              <a:rPr lang="en-US" altLang="zh-CN">
-                <a:sym typeface="+mn-ea"/>
-              </a:rPr>
-              <a:t>t</a:t>
-            </a:r>
-            <a:endParaRPr lang="zh-CN" altLang="en-US"/>
-          </a:p>
-          <a:p>
-            <a:r>
-              <a:rPr lang="zh-CN" altLang="en-US"/>
-              <a:t>private_network</a:t>
-            </a:r>
-            <a:endParaRPr lang="zh-CN" altLang="en-US"/>
-          </a:p>
-          <a:p>
-            <a:r>
-              <a:rPr lang="zh-CN" altLang="en-US"/>
-              <a:t>public_network</a:t>
-            </a:r>
-            <a:endParaRPr lang="zh-CN" altLang="en-US"/>
-          </a:p>
-        </p:txBody>
-      </p:sp>
-    </p:spTree>
-    <p:custDataLst>
-      <p:tags r:id="rId1"/>
-    </p:custDataLst>
-  </p:cSld>
-  <p:clrMapOvr>
-    <a:masterClrMapping/>
-  </p:clrMapOvr>
-</p:sld>
-</file>
-
 <file path=ppt/slides/slide7.xml><?xml version="1.0" encoding="utf-8"?>
 <p:sld xmlns:a="http://schemas.openxmlformats.org/drawingml/2006/main" xmlns:r="http://schemas.openxmlformats.org/officeDocument/2006/relationships" xmlns:p="http://schemas.openxmlformats.org/presentationml/2006/main">
   <p:cSld>
@@ -5282,48 +5556,57 @@
         </p:nvSpPr>
         <p:spPr/>
         <p:txBody>
+          <a:bodyPr>
+            <a:normAutofit/>
+          </a:bodyPr>
+          <a:p>
+            <a:r>
+              <a:t>三种网络模型</a:t>
+            </a:r>
+          </a:p>
+        </p:txBody>
+      </p:sp>
+      <p:sp>
+        <p:nvSpPr>
+          <p:cNvPr id="3" name="内容占位符 2"/>
+          <p:cNvSpPr>
+            <a:spLocks noGrp="1"/>
+          </p:cNvSpPr>
+          <p:nvPr>
+            <p:ph idx="1"/>
+          </p:nvPr>
+        </p:nvSpPr>
+        <p:spPr/>
+        <p:txBody>
           <a:bodyPr/>
           <a:p>
             <a:r>
-              <a:t>同步目录</a:t>
-            </a:r>
-            <a:r>
-              <a:rPr lang="en-US" altLang="zh-CN"/>
-              <a:t>synced_folder</a:t>
-            </a:r>
-            <a:endParaRPr lang="en-US" altLang="zh-CN"/>
-          </a:p>
-        </p:txBody>
-      </p:sp>
-      <p:sp>
-        <p:nvSpPr>
-          <p:cNvPr id="3" name="内容占位符 2"/>
-          <p:cNvSpPr>
-            <a:spLocks noGrp="1"/>
-          </p:cNvSpPr>
-          <p:nvPr>
-            <p:ph idx="1"/>
-          </p:nvPr>
-        </p:nvSpPr>
-        <p:spPr/>
-        <p:txBody>
-          <a:bodyPr/>
-          <a:p>
-            <a:r>
-              <a:rPr lang="en-US" altLang="zh-CN"/>
-              <a:t>/vagrant</a:t>
-            </a:r>
-            <a:endParaRPr lang="en-US" altLang="zh-CN"/>
-          </a:p>
-          <a:p>
-            <a:r>
-              <a:t>设置额外的目录</a:t>
-            </a:r>
-          </a:p>
-          <a:p>
-            <a:pPr marL="0" indent="0">
-              <a:buNone/>
-            </a:pPr>
+              <a:rPr>
+                <a:sym typeface="+mn-ea"/>
+              </a:rPr>
+              <a:t>forwarded_por</a:t>
+            </a:r>
+            <a:r>
+              <a:rPr lang="en-US" altLang="zh-CN">
+                <a:sym typeface="+mn-ea"/>
+              </a:rPr>
+              <a:t>t</a:t>
+            </a:r>
+            <a:endParaRPr lang="zh-CN" altLang="en-US"/>
+          </a:p>
+          <a:p>
+            <a:r>
+              <a:rPr lang="zh-CN" altLang="en-US"/>
+              <a:t>private_network</a:t>
+            </a:r>
+            <a:endParaRPr lang="zh-CN" altLang="en-US"/>
+          </a:p>
+          <a:p>
+            <a:r>
+              <a:rPr lang="zh-CN" altLang="en-US"/>
+              <a:t>public_network</a:t>
+            </a:r>
+            <a:endParaRPr lang="zh-CN" altLang="en-US"/>
           </a:p>
         </p:txBody>
       </p:sp>
@@ -5369,12 +5652,11 @@
           <a:bodyPr/>
           <a:p>
             <a:r>
-              <a:rPr lang="zh-CN" altLang="en-US"/>
-              <a:t>虚拟机配置</a:t>
+              <a:t>同步目录</a:t>
             </a:r>
             <a:r>
               <a:rPr lang="en-US" altLang="zh-CN"/>
-              <a:t>(Provider-specific configuration)</a:t>
+              <a:t>synced_folder</a:t>
             </a:r>
             <a:endParaRPr lang="en-US" altLang="zh-CN"/>
           </a:p>
@@ -5395,22 +5677,20 @@
           <a:bodyPr/>
           <a:p>
             <a:r>
-              <a:rPr lang="zh-CN" altLang="en-US"/>
-              <a:t>内存</a:t>
-            </a:r>
-            <a:endParaRPr lang="zh-CN" altLang="en-US"/>
-          </a:p>
-          <a:p>
-            <a:r>
               <a:rPr lang="en-US" altLang="zh-CN"/>
-              <a:t>cpu</a:t>
+              <a:t>/vagrant</a:t>
             </a:r>
             <a:endParaRPr lang="en-US" altLang="zh-CN"/>
           </a:p>
           <a:p>
             <a:r>
-              <a:t>名称</a:t>
-            </a:r>
+              <a:t>设置额外的目录</a:t>
+            </a:r>
+          </a:p>
+          <a:p>
+            <a:pPr marL="0" indent="0">
+              <a:buNone/>
+            </a:pPr>
           </a:p>
         </p:txBody>
       </p:sp>
@@ -5457,15 +5737,13 @@
           <a:p>
             <a:r>
               <a:rPr lang="zh-CN" altLang="en-US"/>
-              <a:t>设置器</a:t>
+              <a:t>虚拟机配置</a:t>
             </a:r>
             <a:r>
               <a:rPr lang="en-US" altLang="zh-CN"/>
-              <a:t>(Provisioners)</a:t>
-            </a:r>
-            <a:r>
-              <a:t>的使用</a:t>
-            </a:r>
+              <a:t>(Provider-specific configuration)</a:t>
+            </a:r>
+            <a:endParaRPr lang="en-US" altLang="zh-CN"/>
           </a:p>
         </p:txBody>
       </p:sp>
@@ -5484,108 +5762,22 @@
           <a:bodyPr/>
           <a:p>
             <a:r>
+              <a:rPr lang="zh-CN" altLang="en-US"/>
+              <a:t>内存</a:t>
+            </a:r>
+            <a:endParaRPr lang="zh-CN" altLang="en-US"/>
+          </a:p>
+          <a:p>
+            <a:r>
               <a:rPr lang="en-US" altLang="zh-CN"/>
-              <a:t>A</a:t>
-            </a:r>
-            <a:r>
-              <a:rPr lang="zh-CN" altLang="en-US"/>
-              <a:t>llow you to automatically install software, alter configurations, and more on the machine as part of the </a:t>
-            </a:r>
-            <a:r>
-              <a:rPr lang="zh-CN" altLang="en-US">
-                <a:solidFill>
-                  <a:srgbClr val="FF0000"/>
-                </a:solidFill>
-              </a:rPr>
-              <a:t>vagrant up</a:t>
-            </a:r>
-            <a:r>
-              <a:rPr lang="zh-CN" altLang="en-US"/>
-              <a:t> process.</a:t>
-            </a:r>
-            <a:endParaRPr lang="zh-CN" altLang="en-US"/>
-          </a:p>
-          <a:p>
-            <a:endParaRPr lang="zh-CN" altLang="en-US"/>
-          </a:p>
-          <a:p>
-            <a:r>
-              <a:rPr lang="zh-CN" altLang="en-US"/>
-              <a:t>什么时间执行</a:t>
-            </a:r>
-            <a:r>
-              <a:rPr lang="en-US" altLang="zh-CN"/>
-              <a:t>?</a:t>
-            </a:r>
-            <a:endParaRPr lang="zh-CN" altLang="en-US"/>
-          </a:p>
-          <a:p>
-            <a:r>
-              <a:rPr lang="en-US" altLang="zh-CN" sz="1400" b="1"/>
-              <a:t>- 1 </a:t>
-            </a:r>
-            <a:r>
-              <a:rPr sz="1400" b="1"/>
-              <a:t>第一次执行</a:t>
-            </a:r>
-            <a:r>
-              <a:rPr lang="en-US" altLang="zh-CN" sz="1400" b="1"/>
-              <a:t>vagrant up</a:t>
-            </a:r>
-            <a:endParaRPr lang="en-US" altLang="zh-CN" sz="1400" b="1"/>
-          </a:p>
-          <a:p>
-            <a:r>
-              <a:rPr lang="en-US" altLang="zh-CN" sz="1400" b="1"/>
-              <a:t>- 2 </a:t>
-            </a:r>
-            <a:r>
-              <a:rPr lang="en-US" altLang="zh-CN" sz="1400" b="1">
-                <a:sym typeface="+mn-ea"/>
-              </a:rPr>
-              <a:t>vagrant reload --provision</a:t>
-            </a:r>
-            <a:endParaRPr lang="en-US" altLang="zh-CN" sz="1400" b="1"/>
-          </a:p>
-          <a:p>
-            <a:r>
-              <a:rPr lang="en-US" altLang="zh-CN" sz="1400"/>
-              <a:t>- 3 </a:t>
-            </a:r>
-            <a:r>
-              <a:rPr lang="en-US" altLang="zh-CN" sz="1400">
-                <a:sym typeface="+mn-ea"/>
-              </a:rPr>
-              <a:t>vagrant provision</a:t>
-            </a:r>
-            <a:endParaRPr lang="en-US" altLang="zh-CN" sz="1400">
-              <a:sym typeface="+mn-ea"/>
-            </a:endParaRPr>
-          </a:p>
-          <a:p>
-            <a:endParaRPr lang="en-US" altLang="zh-CN" sz="1400"/>
-          </a:p>
-          <a:p>
-            <a:pPr algn="l">
-              <a:buClrTx/>
-              <a:buSzTx/>
-            </a:pPr>
-            <a:r>
-              <a:rPr sz="1800"/>
-              <a:t>我们看下文档</a:t>
-            </a:r>
-            <a:endParaRPr sz="1800"/>
-          </a:p>
-          <a:p>
-            <a:pPr algn="l">
-              <a:buClrTx/>
-              <a:buSzTx/>
-            </a:pPr>
-            <a:r>
-              <a:rPr sz="1800"/>
-              <a:t>来演示一个例子</a:t>
-            </a:r>
-            <a:endParaRPr sz="1800"/>
+              <a:t>cpu</a:t>
+            </a:r>
+            <a:endParaRPr lang="en-US" altLang="zh-CN"/>
+          </a:p>
+          <a:p>
+            <a:r>
+              <a:t>名称</a:t>
+            </a:r>
           </a:p>
         </p:txBody>
       </p:sp>
@@ -6485,12 +6677,20 @@
 
 <file path=ppt/tags/tag70.xml><?xml version="1.0" encoding="utf-8"?>
 <p:tagLst xmlns:p="http://schemas.openxmlformats.org/presentationml/2006/main">
+  <p:tag name="KSO_WM_BEAUTIFY_FLAG" val="#wm#"/>
+  <p:tag name="KSO_WM_TEMPLATE_CATEGORY" val="custom"/>
+  <p:tag name="KSO_WM_TEMPLATE_INDEX" val="20205176"/>
+</p:tagLst>
+</file>
+
+<file path=ppt/tags/tag71.xml><?xml version="1.0" encoding="utf-8"?>
+<p:tagLst xmlns:p="http://schemas.openxmlformats.org/presentationml/2006/main">
   <p:tag name="REFSHAPE" val="381764356"/>
   <p:tag name="KSO_WM_UNIT_PLACING_PICTURE_USER_VIEWPORT" val="{&quot;height&quot;:7495,&quot;width&quot;:12154}"/>
 </p:tagLst>
 </file>
 
-<file path=ppt/tags/tag71.xml><?xml version="1.0" encoding="utf-8"?>
+<file path=ppt/tags/tag72.xml><?xml version="1.0" encoding="utf-8"?>
 <p:tagLst xmlns:p="http://schemas.openxmlformats.org/presentationml/2006/main">
   <p:tag name="KSO_WM_BEAUTIFY_FLAG" val="#wm#"/>
   <p:tag name="KSO_WM_TEMPLATE_CATEGORY" val="custom"/>
@@ -6498,7 +6698,7 @@
 </p:tagLst>
 </file>
 
-<file path=ppt/tags/tag72.xml><?xml version="1.0" encoding="utf-8"?>
+<file path=ppt/tags/tag73.xml><?xml version="1.0" encoding="utf-8"?>
 <p:tagLst xmlns:p="http://schemas.openxmlformats.org/presentationml/2006/main">
   <p:tag name="KSO_WM_BEAUTIFY_FLAG" val="#wm#"/>
   <p:tag name="KSO_WM_TEMPLATE_CATEGORY" val="custom"/>
@@ -6506,7 +6706,7 @@
 </p:tagLst>
 </file>
 
-<file path=ppt/tags/tag73.xml><?xml version="1.0" encoding="utf-8"?>
+<file path=ppt/tags/tag74.xml><?xml version="1.0" encoding="utf-8"?>
 <p:tagLst xmlns:p="http://schemas.openxmlformats.org/presentationml/2006/main">
   <p:tag name="KSO_WM_BEAUTIFY_FLAG" val="#wm#"/>
   <p:tag name="KSO_WM_TEMPLATE_CATEGORY" val="custom"/>
@@ -6514,7 +6714,7 @@
 </p:tagLst>
 </file>
 
-<file path=ppt/tags/tag74.xml><?xml version="1.0" encoding="utf-8"?>
+<file path=ppt/tags/tag75.xml><?xml version="1.0" encoding="utf-8"?>
 <p:tagLst xmlns:p="http://schemas.openxmlformats.org/presentationml/2006/main">
   <p:tag name="KSO_WM_BEAUTIFY_FLAG" val="#wm#"/>
   <p:tag name="KSO_WM_TEMPLATE_CATEGORY" val="custom"/>
@@ -6522,7 +6722,7 @@
 </p:tagLst>
 </file>
 
-<file path=ppt/tags/tag75.xml><?xml version="1.0" encoding="utf-8"?>
+<file path=ppt/tags/tag76.xml><?xml version="1.0" encoding="utf-8"?>
 <p:tagLst xmlns:p="http://schemas.openxmlformats.org/presentationml/2006/main">
   <p:tag name="KSO_WM_BEAUTIFY_FLAG" val="#wm#"/>
   <p:tag name="KSO_WM_TEMPLATE_CATEGORY" val="custom"/>
@@ -6530,7 +6730,7 @@
 </p:tagLst>
 </file>
 
-<file path=ppt/tags/tag76.xml><?xml version="1.0" encoding="utf-8"?>
+<file path=ppt/tags/tag77.xml><?xml version="1.0" encoding="utf-8"?>
 <p:tagLst xmlns:p="http://schemas.openxmlformats.org/presentationml/2006/main">
   <p:tag name="KSO_WM_BEAUTIFY_FLAG" val="#wm#"/>
   <p:tag name="KSO_WM_TEMPLATE_CATEGORY" val="custom"/>

--- a/vagrant-for-dev/index.pptx
+++ b/vagrant-for-dev/index.pptx
@@ -4610,7 +4610,7 @@
             </a:r>
             <a:r>
               <a:rPr sz="1400" b="1"/>
-              <a:t>第一次执行</a:t>
+              <a:t>第一次执行 </a:t>
             </a:r>
             <a:r>
               <a:rPr lang="en-US" altLang="zh-CN" sz="1400" b="1"/>
@@ -4629,12 +4629,21 @@
               </a:rPr>
               <a:t>vagrant reload --provision</a:t>
             </a:r>
+            <a:endParaRPr lang="en-US" altLang="zh-CN" sz="1400" b="1">
+              <a:sym typeface="+mn-ea"/>
+            </a:endParaRPr>
+          </a:p>
+          <a:p>
+            <a:r>
+              <a:rPr lang="en-US" altLang="zh-CN" sz="1400" b="1"/>
+              <a:t>- 3 vagrant  up --provision</a:t>
+            </a:r>
             <a:endParaRPr lang="en-US" altLang="zh-CN" sz="1400" b="1"/>
           </a:p>
           <a:p>
             <a:r>
               <a:rPr lang="en-US" altLang="zh-CN" sz="1400"/>
-              <a:t>- 3 </a:t>
+              <a:t>- 4 </a:t>
             </a:r>
             <a:r>
               <a:rPr lang="en-US" altLang="zh-CN" sz="1400">
@@ -4894,8 +4903,12 @@
           </a:p>
           <a:p>
             <a:r>
+              <a:rPr lang="en-US" altLang="zh-CN" b="1"/>
+              <a:t>box</a:t>
+            </a:r>
+            <a:r>
               <a:rPr lang="en-US" altLang="zh-CN"/>
-              <a:t>box/mirror/image</a:t>
+              <a:t>/mirror/image</a:t>
             </a:r>
             <a:endParaRPr lang="zh-CN" altLang="en-US"/>
           </a:p>
@@ -5270,7 +5283,9 @@
         </p:nvSpPr>
         <p:spPr/>
         <p:txBody>
-          <a:bodyPr/>
+          <a:bodyPr>
+            <a:normAutofit/>
+          </a:bodyPr>
           <a:p>
             <a:r>
               <a:rPr lang="en-US" altLang="zh-CN"/>
@@ -5282,14 +5297,15 @@
             <a:endParaRPr lang="zh-CN" altLang="en-US"/>
           </a:p>
           <a:p>
-            <a:r>
-              <a:rPr lang="en-US" altLang="zh-CN" sz="1400">
+            <a:pPr lvl="1"/>
+            <a:r>
+              <a:rPr lang="en-US" altLang="zh-CN" sz="1240">
                 <a:sym typeface="+mn-ea"/>
               </a:rPr>
               <a:t>- vagrant box add </a:t>
             </a:r>
             <a:r>
-              <a:rPr lang="en-US" altLang="zh-CN" sz="1400">
+              <a:rPr lang="en-US" altLang="zh-CN" sz="1240">
                 <a:solidFill>
                   <a:srgbClr val="FF0000"/>
                 </a:solidFill>
@@ -5298,7 +5314,7 @@
               <a:t>hashicorp/bionic64 </a:t>
             </a:r>
             <a:r>
-              <a:rPr lang="en-US" altLang="zh-CN" sz="1400">
+              <a:rPr lang="en-US" altLang="zh-CN" sz="1240">
                 <a:solidFill>
                   <a:schemeClr val="tx1"/>
                 </a:solidFill>
@@ -5307,7 +5323,7 @@
               <a:t>(</a:t>
             </a:r>
             <a:r>
-              <a:rPr sz="1400">
+              <a:rPr sz="1240">
                 <a:solidFill>
                   <a:schemeClr val="tx1"/>
                 </a:solidFill>
@@ -5316,7 +5332,7 @@
               <a:t>介绍几个官方推荐</a:t>
             </a:r>
             <a:r>
-              <a:rPr lang="en-US" altLang="zh-CN" sz="1400">
+              <a:rPr lang="en-US" altLang="zh-CN" sz="1240">
                 <a:solidFill>
                   <a:schemeClr val="tx1"/>
                 </a:solidFill>
@@ -5324,101 +5340,154 @@
               </a:rPr>
               <a:t>)</a:t>
             </a:r>
-            <a:endParaRPr lang="en-US" altLang="zh-CN" sz="1400"/>
-          </a:p>
-          <a:p>
-            <a:r>
-              <a:rPr lang="en-US" altLang="zh-CN" sz="1400"/>
+            <a:endParaRPr lang="en-US" altLang="zh-CN" sz="1240"/>
+          </a:p>
+          <a:p>
+            <a:pPr lvl="1"/>
+            <a:r>
+              <a:rPr lang="en-US" altLang="zh-CN" sz="1240"/>
               <a:t>- </a:t>
             </a:r>
             <a:r>
-              <a:rPr lang="zh-CN" altLang="en-US" sz="1400"/>
+              <a:rPr lang="zh-CN" altLang="en-US" sz="1240"/>
               <a:t>vagrant box list</a:t>
             </a:r>
-            <a:endParaRPr lang="zh-CN" altLang="en-US" sz="1400"/>
-          </a:p>
-          <a:p>
-            <a:pPr algn="l">
+            <a:endParaRPr lang="zh-CN" altLang="en-US" sz="1240"/>
+          </a:p>
+          <a:p>
+            <a:pPr marL="457200" lvl="1" indent="0">
+              <a:buNone/>
+            </a:pPr>
+            <a:endParaRPr lang="zh-CN" altLang="en-US" sz="1240"/>
+          </a:p>
+          <a:p>
+            <a:pPr marL="228600" lvl="1" algn="l" defTabSz="914400">
+              <a:lnSpc>
+                <a:spcPct val="130000"/>
+              </a:lnSpc>
+              <a:spcAft>
+                <a:spcPts val="1000"/>
+              </a:spcAft>
               <a:buClrTx/>
               <a:buSzTx/>
             </a:pPr>
             <a:r>
+              <a:rPr lang="en-US" altLang="zh-CN" sz="1800">
+                <a:sym typeface="+mn-ea"/>
+              </a:rPr>
+              <a:t>vagrant init</a:t>
+            </a:r>
+            <a:endParaRPr lang="en-US" altLang="zh-CN" sz="1800">
+              <a:sym typeface="+mn-ea"/>
+            </a:endParaRPr>
+          </a:p>
+          <a:p>
+            <a:pPr marL="0" lvl="1"/>
+            <a:endParaRPr lang="en-US" altLang="zh-CN" sz="1400"/>
+          </a:p>
+          <a:p>
+            <a:r>
               <a:rPr lang="en-US" altLang="zh-CN" sz="1800"/>
               <a:t>虚拟机相关</a:t>
             </a:r>
             <a:endParaRPr lang="en-US" altLang="zh-CN" sz="1800"/>
           </a:p>
           <a:p>
-            <a:pPr algn="l">
+            <a:pPr lvl="1" algn="l">
               <a:buClrTx/>
               <a:buSzTx/>
             </a:pPr>
             <a:r>
-              <a:rPr lang="en-US" altLang="zh-CN" sz="1400"/>
-              <a:t>- vagrant init</a:t>
-            </a:r>
-            <a:endParaRPr lang="en-US" altLang="zh-CN" sz="1400"/>
-          </a:p>
-          <a:p>
-            <a:pPr algn="l">
+              <a:rPr lang="en-US" altLang="zh-CN" sz="1240" b="1"/>
+              <a:t>- vagrant up</a:t>
+            </a:r>
+            <a:endParaRPr lang="en-US" altLang="zh-CN" sz="1240" b="1"/>
+          </a:p>
+          <a:p>
+            <a:pPr lvl="1" algn="l">
               <a:buClrTx/>
               <a:buSzTx/>
             </a:pPr>
             <a:r>
-              <a:rPr lang="en-US" altLang="zh-CN" sz="1400"/>
-              <a:t>- vagrant up</a:t>
-            </a:r>
-            <a:endParaRPr lang="en-US" altLang="zh-CN" sz="1400"/>
-          </a:p>
-          <a:p>
-            <a:pPr algn="l">
+              <a:rPr lang="en-US" altLang="zh-CN" sz="1240">
+                <a:solidFill>
+                  <a:srgbClr val="FF0000"/>
+                </a:solidFill>
+              </a:rPr>
+              <a:t>- vagrant halt</a:t>
+            </a:r>
+            <a:endParaRPr lang="en-US" altLang="zh-CN" sz="1240">
+              <a:solidFill>
+                <a:srgbClr val="FF0000"/>
+              </a:solidFill>
+            </a:endParaRPr>
+          </a:p>
+          <a:p>
+            <a:pPr lvl="1" algn="l">
               <a:buClrTx/>
               <a:buSzTx/>
             </a:pPr>
             <a:r>
-              <a:rPr lang="en-US" altLang="zh-CN" sz="1400"/>
-              <a:t>- vagrant halt</a:t>
-            </a:r>
-            <a:endParaRPr lang="en-US" altLang="zh-CN" sz="1400"/>
-          </a:p>
-          <a:p>
-            <a:pPr algn="l">
+              <a:rPr lang="en-US" altLang="zh-CN" sz="1240">
+                <a:solidFill>
+                  <a:srgbClr val="FF0000"/>
+                </a:solidFill>
+              </a:rPr>
+              <a:t>- vagrant suspend</a:t>
+            </a:r>
+            <a:endParaRPr lang="en-US" altLang="zh-CN" sz="1240">
+              <a:solidFill>
+                <a:srgbClr val="FF0000"/>
+              </a:solidFill>
+            </a:endParaRPr>
+          </a:p>
+          <a:p>
+            <a:pPr lvl="1" algn="l">
               <a:buClrTx/>
               <a:buSzTx/>
             </a:pPr>
             <a:r>
-              <a:rPr lang="en-US" altLang="zh-CN" sz="1400">
+              <a:rPr lang="en-US" altLang="zh-CN" sz="1240">
+                <a:solidFill>
+                  <a:srgbClr val="FF0000"/>
+                </a:solidFill>
                 <a:sym typeface="+mn-ea"/>
               </a:rPr>
-              <a:t>- vagrant reload</a:t>
-            </a:r>
-            <a:endParaRPr lang="en-US" altLang="zh-CN" sz="1400">
-              <a:sym typeface="+mn-ea"/>
+              <a:t>- vagrant destroy</a:t>
+            </a:r>
+            <a:endParaRPr lang="en-US" altLang="zh-CN" sz="1240">
+              <a:solidFill>
+                <a:srgbClr val="FF0000"/>
+              </a:solidFill>
             </a:endParaRPr>
           </a:p>
           <a:p>
-            <a:pPr algn="l">
+            <a:pPr lvl="1" algn="l">
               <a:buClrTx/>
               <a:buSzTx/>
             </a:pPr>
             <a:r>
-              <a:rPr lang="en-US" altLang="zh-CN" sz="1400"/>
-              <a:t>- vagrant destroy</a:t>
-            </a:r>
-            <a:endParaRPr lang="en-US" altLang="zh-CN" sz="1400"/>
-          </a:p>
-          <a:p>
-            <a:pPr algn="l">
+              <a:rPr lang="en-US" altLang="zh-CN" sz="1240">
+                <a:sym typeface="+mn-ea"/>
+              </a:rPr>
+              <a:t>- vagrant reload</a:t>
+            </a:r>
+            <a:endParaRPr lang="en-US" altLang="zh-CN" sz="1240">
+              <a:sym typeface="+mn-ea"/>
+            </a:endParaRPr>
+          </a:p>
+          <a:p>
+            <a:pPr lvl="1" algn="l">
               <a:buClrTx/>
               <a:buSzTx/>
             </a:pPr>
             <a:r>
-              <a:rPr lang="en-US" altLang="zh-CN" sz="1400">
+              <a:rPr lang="en-US" altLang="zh-CN" sz="1240">
                 <a:sym typeface="+mn-ea"/>
               </a:rPr>
               <a:t>- vagrant reload --provision</a:t>
             </a:r>
-            <a:endParaRPr lang="en-US" altLang="zh-CN" sz="1400"/>
+            <a:endParaRPr lang="en-US" altLang="zh-CN" sz="1240"/>
           </a:p>
           <a:p>
             <a:endParaRPr lang="en-US" altLang="zh-CN">

--- a/vagrant-for-dev/index.pptx
+++ b/vagrant-for-dev/index.pptx
@@ -10,12 +10,11 @@
     <p:sldId id="416" r:id="rId5"/>
     <p:sldId id="430" r:id="rId6"/>
     <p:sldId id="418" r:id="rId7"/>
-    <p:sldId id="424" r:id="rId8"/>
-    <p:sldId id="420" r:id="rId9"/>
-    <p:sldId id="421" r:id="rId10"/>
-    <p:sldId id="422" r:id="rId11"/>
-    <p:sldId id="419" r:id="rId12"/>
-    <p:sldId id="425" r:id="rId13"/>
+    <p:sldId id="420" r:id="rId8"/>
+    <p:sldId id="421" r:id="rId9"/>
+    <p:sldId id="422" r:id="rId10"/>
+    <p:sldId id="419" r:id="rId11"/>
+    <p:sldId id="425" r:id="rId12"/>
   </p:sldIdLst>
   <p:sldSz cx="12192000" cy="6858000"/>
   <p:notesSz cx="6858000" cy="9144000"/>
@@ -4540,190 +4539,6 @@
           <a:bodyPr/>
           <a:p>
             <a:r>
-              <a:rPr lang="zh-CN" altLang="en-US"/>
-              <a:t>设置器</a:t>
-            </a:r>
-            <a:r>
-              <a:rPr lang="en-US" altLang="zh-CN"/>
-              <a:t>(Provisioners)</a:t>
-            </a:r>
-            <a:r>
-              <a:t>的使用</a:t>
-            </a:r>
-          </a:p>
-        </p:txBody>
-      </p:sp>
-      <p:sp>
-        <p:nvSpPr>
-          <p:cNvPr id="3" name="内容占位符 2"/>
-          <p:cNvSpPr>
-            <a:spLocks noGrp="1"/>
-          </p:cNvSpPr>
-          <p:nvPr>
-            <p:ph idx="1"/>
-          </p:nvPr>
-        </p:nvSpPr>
-        <p:spPr/>
-        <p:txBody>
-          <a:bodyPr/>
-          <a:p>
-            <a:r>
-              <a:rPr lang="en-US" altLang="zh-CN"/>
-              <a:t>A</a:t>
-            </a:r>
-            <a:r>
-              <a:rPr lang="zh-CN" altLang="en-US"/>
-              <a:t>llow you to automatically install software, alter configurations, and more on the machine as part of the </a:t>
-            </a:r>
-            <a:r>
-              <a:rPr lang="zh-CN" altLang="en-US">
-                <a:solidFill>
-                  <a:srgbClr val="FF0000"/>
-                </a:solidFill>
-              </a:rPr>
-              <a:t>vagrant up</a:t>
-            </a:r>
-            <a:r>
-              <a:rPr lang="zh-CN" altLang="en-US"/>
-              <a:t> process.</a:t>
-            </a:r>
-            <a:endParaRPr lang="zh-CN" altLang="en-US"/>
-          </a:p>
-          <a:p>
-            <a:endParaRPr lang="zh-CN" altLang="en-US"/>
-          </a:p>
-          <a:p>
-            <a:r>
-              <a:rPr lang="zh-CN" altLang="en-US"/>
-              <a:t>什么时间执行</a:t>
-            </a:r>
-            <a:r>
-              <a:rPr lang="en-US" altLang="zh-CN"/>
-              <a:t>?</a:t>
-            </a:r>
-            <a:endParaRPr lang="zh-CN" altLang="en-US"/>
-          </a:p>
-          <a:p>
-            <a:r>
-              <a:rPr lang="en-US" altLang="zh-CN" sz="1400" b="1"/>
-              <a:t>- 1 </a:t>
-            </a:r>
-            <a:r>
-              <a:rPr sz="1400" b="1"/>
-              <a:t>第一次执行 </a:t>
-            </a:r>
-            <a:r>
-              <a:rPr lang="en-US" altLang="zh-CN" sz="1400" b="1"/>
-              <a:t>vagrant up</a:t>
-            </a:r>
-            <a:endParaRPr lang="en-US" altLang="zh-CN" sz="1400" b="1"/>
-          </a:p>
-          <a:p>
-            <a:r>
-              <a:rPr lang="en-US" altLang="zh-CN" sz="1400" b="1"/>
-              <a:t>- 2 </a:t>
-            </a:r>
-            <a:r>
-              <a:rPr lang="en-US" altLang="zh-CN" sz="1400" b="1">
-                <a:sym typeface="+mn-ea"/>
-              </a:rPr>
-              <a:t>vagrant reload --provision</a:t>
-            </a:r>
-            <a:endParaRPr lang="en-US" altLang="zh-CN" sz="1400" b="1">
-              <a:sym typeface="+mn-ea"/>
-            </a:endParaRPr>
-          </a:p>
-          <a:p>
-            <a:r>
-              <a:rPr lang="en-US" altLang="zh-CN" sz="1400" b="1"/>
-              <a:t>- 3 vagrant  up --provision</a:t>
-            </a:r>
-            <a:endParaRPr lang="en-US" altLang="zh-CN" sz="1400" b="1"/>
-          </a:p>
-          <a:p>
-            <a:r>
-              <a:rPr lang="en-US" altLang="zh-CN" sz="1400"/>
-              <a:t>- 4 </a:t>
-            </a:r>
-            <a:r>
-              <a:rPr lang="en-US" altLang="zh-CN" sz="1400">
-                <a:sym typeface="+mn-ea"/>
-              </a:rPr>
-              <a:t>vagrant provision</a:t>
-            </a:r>
-            <a:endParaRPr lang="en-US" altLang="zh-CN" sz="1400">
-              <a:sym typeface="+mn-ea"/>
-            </a:endParaRPr>
-          </a:p>
-          <a:p>
-            <a:endParaRPr lang="en-US" altLang="zh-CN" sz="1400"/>
-          </a:p>
-          <a:p>
-            <a:pPr algn="l">
-              <a:buClrTx/>
-              <a:buSzTx/>
-            </a:pPr>
-            <a:r>
-              <a:rPr sz="1800"/>
-              <a:t>我们看下文档</a:t>
-            </a:r>
-            <a:endParaRPr sz="1800"/>
-          </a:p>
-          <a:p>
-            <a:pPr algn="l">
-              <a:buClrTx/>
-              <a:buSzTx/>
-            </a:pPr>
-            <a:r>
-              <a:rPr sz="1800"/>
-              <a:t>来演示一个例子</a:t>
-            </a:r>
-            <a:endParaRPr sz="1800"/>
-          </a:p>
-        </p:txBody>
-      </p:sp>
-    </p:spTree>
-    <p:custDataLst>
-      <p:tags r:id="rId1"/>
-    </p:custDataLst>
-  </p:cSld>
-  <p:clrMapOvr>
-    <a:masterClrMapping/>
-  </p:clrMapOvr>
-</p:sld>
-</file>
-
-<file path=ppt/slides/slide11.xml><?xml version="1.0" encoding="utf-8"?>
-<p:sld xmlns:a="http://schemas.openxmlformats.org/drawingml/2006/main" xmlns:r="http://schemas.openxmlformats.org/officeDocument/2006/relationships" xmlns:p="http://schemas.openxmlformats.org/presentationml/2006/main">
-  <p:cSld>
-    <p:bg>
-      <p:bgPr>
-        <a:noFill/>
-        <a:effectLst/>
-      </p:bgPr>
-    </p:bg>
-    <p:spTree>
-      <p:nvGrpSpPr>
-        <p:cNvPr id="1" name=""/>
-        <p:cNvGrpSpPr/>
-        <p:nvPr/>
-      </p:nvGrpSpPr>
-      <p:grpSpPr/>
-      <p:sp>
-        <p:nvSpPr>
-          <p:cNvPr id="2" name="标题 1"/>
-          <p:cNvSpPr>
-            <a:spLocks noGrp="1"/>
-          </p:cNvSpPr>
-          <p:nvPr>
-            <p:ph type="title"/>
-          </p:nvPr>
-        </p:nvSpPr>
-        <p:spPr/>
-        <p:txBody>
-          <a:bodyPr/>
-          <a:p>
-            <a:r>
               <a:rPr lang="en-US" altLang="zh-CN"/>
               <a:t>reference</a:t>
             </a:r>
@@ -4764,7 +4579,11 @@
           <a:p>
             <a:r>
               <a:rPr lang="zh-CN" altLang="en-US"/>
-              <a:t>视频相关文档</a:t>
+              <a:t>本视频</a:t>
+            </a:r>
+            <a:r>
+              <a:rPr lang="zh-CN" altLang="en-US"/>
+              <a:t>相关文档</a:t>
             </a:r>
             <a:r>
               <a:rPr lang="en-US" altLang="zh-CN"/>
@@ -4778,8 +4597,10 @@
           </a:p>
           <a:p>
             <a:r>
-              <a:rPr lang="zh-CN" altLang="en-US"/>
-              <a:t>示例配置</a:t>
+              <a:t>我的</a:t>
+            </a:r>
+            <a:r>
+              <a:t>开发环境</a:t>
             </a:r>
             <a:r>
               <a:rPr lang="en-US" altLang="zh-CN"/>
@@ -4835,7 +4656,10 @@
           <a:bodyPr/>
           <a:p>
             <a:r>
-              <a:t>几个概念</a:t>
+              <a:t>两</a:t>
+            </a:r>
+            <a:r>
+              <a:t>个概念</a:t>
             </a:r>
           </a:p>
         </p:txBody>
@@ -4899,20 +4723,6 @@
               <a:rPr lang="en-US" altLang="zh-CN" sz="1600"/>
               <a:t>- the command line utility for managing the lifecycle of virtual machines.</a:t>
             </a:r>
-            <a:endParaRPr lang="en-US" altLang="zh-CN" sz="1600"/>
-          </a:p>
-          <a:p>
-            <a:r>
-              <a:rPr lang="en-US" altLang="zh-CN" b="1"/>
-              <a:t>box</a:t>
-            </a:r>
-            <a:r>
-              <a:rPr lang="en-US" altLang="zh-CN"/>
-              <a:t>/mirror/image</a:t>
-            </a:r>
-            <a:endParaRPr lang="zh-CN" altLang="en-US"/>
-          </a:p>
-          <a:p>
             <a:endParaRPr lang="zh-CN" altLang="en-US"/>
           </a:p>
         </p:txBody>
@@ -5036,8 +4846,43 @@
           <a:bodyPr/>
           <a:p>
             <a:r>
+              <a:rPr lang="en-US" altLang="zh-CN" sz="1800">
+                <a:sym typeface="+mn-ea"/>
+              </a:rPr>
+              <a:t>1 vagrant</a:t>
+            </a:r>
+            <a:endParaRPr lang="en-US" altLang="zh-CN" sz="1800"/>
+          </a:p>
+          <a:p>
+            <a:pPr lvl="1"/>
+            <a:r>
+              <a:rPr lang="en-US" altLang="zh-CN" sz="1400">
+                <a:sym typeface="+mn-ea"/>
+              </a:rPr>
+              <a:t>https://www.vagrantup.com/</a:t>
+            </a:r>
+            <a:endParaRPr lang="en-US" altLang="zh-CN" sz="1400"/>
+          </a:p>
+          <a:p>
+            <a:pPr lvl="1"/>
+            <a:r>
+              <a:rPr sz="1400">
+                <a:sym typeface="+mn-ea"/>
+              </a:rPr>
+              <a:t>自动修改</a:t>
+            </a:r>
+            <a:r>
+              <a:rPr lang="en-US" altLang="zh-CN" sz="1400">
+                <a:sym typeface="+mn-ea"/>
+              </a:rPr>
+              <a:t>PATH</a:t>
+            </a:r>
+            <a:endParaRPr lang="en-US" altLang="zh-CN" sz="1200"/>
+          </a:p>
+          <a:p>
+            <a:r>
               <a:rPr lang="en-US" altLang="zh-CN"/>
-              <a:t>1 virtual box</a:t>
+              <a:t>2 virtual box</a:t>
             </a:r>
             <a:endParaRPr lang="en-US" altLang="zh-CN"/>
           </a:p>
@@ -5050,30 +4895,6 @@
             <a:endParaRPr lang="en-US" altLang="zh-CN" sz="1200"/>
           </a:p>
           <a:p>
-            <a:r>
-              <a:rPr lang="en-US" altLang="zh-CN"/>
-              <a:t>2 vagrant</a:t>
-            </a:r>
-            <a:endParaRPr lang="en-US" altLang="zh-CN"/>
-          </a:p>
-          <a:p>
-            <a:pPr lvl="1"/>
-            <a:r>
-              <a:rPr lang="en-US" altLang="zh-CN" sz="1200"/>
-              <a:t>https://www.vagrantup.com/</a:t>
-            </a:r>
-            <a:endParaRPr lang="en-US" altLang="zh-CN" sz="1200"/>
-          </a:p>
-          <a:p>
-            <a:pPr lvl="1"/>
-            <a:r>
-              <a:rPr sz="1200"/>
-              <a:t>自动修改</a:t>
-            </a:r>
-            <a:r>
-              <a:rPr lang="en-US" altLang="zh-CN" sz="1200"/>
-              <a:t>PATH</a:t>
-            </a:r>
             <a:endParaRPr lang="en-US" altLang="zh-CN" sz="1200"/>
           </a:p>
         </p:txBody>
@@ -5149,26 +4970,28 @@
             <a:endParaRPr lang="en-US" altLang="zh-CN"/>
           </a:p>
           <a:p>
-            <a:r>
-              <a:rPr lang="en-US" altLang="zh-CN" sz="1400" b="1"/>
+            <a:pPr lvl="1"/>
+            <a:r>
+              <a:rPr lang="en-US" altLang="zh-CN" sz="1240" b="1"/>
               <a:t>- Git Bash (</a:t>
             </a:r>
             <a:r>
-              <a:rPr sz="1400" b="1"/>
+              <a:rPr sz="1240" b="1"/>
               <a:t>推荐</a:t>
             </a:r>
             <a:r>
-              <a:rPr lang="en-US" altLang="zh-CN" sz="1400" b="1"/>
+              <a:rPr lang="en-US" altLang="zh-CN" sz="1240" b="1"/>
               <a:t>)</a:t>
             </a:r>
-            <a:endParaRPr lang="en-US" altLang="zh-CN" sz="1400" b="1"/>
-          </a:p>
-          <a:p>
-            <a:r>
-              <a:rPr lang="en-US" altLang="zh-CN" sz="1400"/>
+            <a:endParaRPr lang="en-US" altLang="zh-CN" sz="1240" b="1"/>
+          </a:p>
+          <a:p>
+            <a:pPr lvl="1"/>
+            <a:r>
+              <a:rPr lang="en-US" altLang="zh-CN" sz="1240"/>
               <a:t>- Xshell</a:t>
             </a:r>
-            <a:endParaRPr lang="en-US" altLang="zh-CN" sz="1400"/>
+            <a:endParaRPr lang="en-US" altLang="zh-CN" sz="1240"/>
           </a:p>
         </p:txBody>
       </p:sp>
@@ -5284,7 +5107,7 @@
         <p:spPr/>
         <p:txBody>
           <a:bodyPr>
-            <a:normAutofit/>
+            <a:normAutofit lnSpcReduction="10000"/>
           </a:bodyPr>
           <a:p>
             <a:r>
@@ -5311,7 +5134,16 @@
                 </a:solidFill>
                 <a:sym typeface="+mn-ea"/>
               </a:rPr>
-              <a:t>hashicorp/bionic64 </a:t>
+              <a:t>ubuntu/xenial64</a:t>
+            </a:r>
+            <a:r>
+              <a:rPr lang="en-US" altLang="zh-CN" sz="1240">
+                <a:solidFill>
+                  <a:srgbClr val="FF0000"/>
+                </a:solidFill>
+                <a:sym typeface="+mn-ea"/>
+              </a:rPr>
+              <a:t> </a:t>
             </a:r>
             <a:r>
               <a:rPr lang="en-US" altLang="zh-CN" sz="1240">
@@ -5400,6 +5232,17 @@
             <a:r>
               <a:rPr lang="en-US" altLang="zh-CN" sz="1240" b="1"/>
               <a:t>- vagrant up</a:t>
+            </a:r>
+            <a:endParaRPr lang="en-US" altLang="zh-CN" sz="1240" b="1"/>
+          </a:p>
+          <a:p>
+            <a:pPr lvl="1" algn="l">
+              <a:buClrTx/>
+              <a:buSzTx/>
+            </a:pPr>
+            <a:r>
+              <a:rPr lang="en-US" altLang="zh-CN" sz="1240" b="1"/>
+              <a:t>- vagrant ssh</a:t>
             </a:r>
             <a:endParaRPr lang="en-US" altLang="zh-CN" sz="1240" b="1"/>
           </a:p>
@@ -5542,53 +5385,58 @@
           </a:bodyPr>
           <a:p>
             <a:r>
+              <a:t>三种网络模型</a:t>
+            </a:r>
+          </a:p>
+        </p:txBody>
+      </p:sp>
+      <p:sp>
+        <p:nvSpPr>
+          <p:cNvPr id="3" name="内容占位符 2"/>
+          <p:cNvSpPr>
+            <a:spLocks noGrp="1"/>
+          </p:cNvSpPr>
+          <p:nvPr>
+            <p:ph idx="1"/>
+          </p:nvPr>
+        </p:nvSpPr>
+        <p:spPr/>
+        <p:txBody>
+          <a:bodyPr/>
+          <a:p>
+            <a:r>
               <a:rPr>
                 <a:sym typeface="+mn-ea"/>
               </a:rPr>
-              <a:t>看一下</a:t>
+              <a:t>forwarded_por</a:t>
             </a:r>
             <a:r>
               <a:rPr lang="en-US" altLang="zh-CN">
                 <a:sym typeface="+mn-ea"/>
               </a:rPr>
-              <a:t>virtual box</a:t>
+              <a:t>t</a:t>
             </a:r>
             <a:endParaRPr lang="zh-CN" altLang="en-US"/>
           </a:p>
-        </p:txBody>
-      </p:sp>
-      <p:pic>
-        <p:nvPicPr>
-          <p:cNvPr id="4" name="内容占位符 3"/>
-          <p:cNvPicPr>
-            <a:picLocks noChangeAspect="1"/>
-          </p:cNvPicPr>
-          <p:nvPr>
-            <p:ph idx="1"/>
-            <p:custDataLst>
-              <p:tags r:id="rId1"/>
-            </p:custDataLst>
-          </p:nvPr>
-        </p:nvPicPr>
-        <p:blipFill>
-          <a:blip r:embed="rId2"/>
-          <a:stretch>
-            <a:fillRect/>
-          </a:stretch>
-        </p:blipFill>
-        <p:spPr>
-          <a:xfrm>
-            <a:off x="2233295" y="1490345"/>
-            <a:ext cx="7717790" cy="4759325"/>
-          </a:xfrm>
-          <a:prstGeom prst="rect">
-            <a:avLst/>
-          </a:prstGeom>
-        </p:spPr>
-      </p:pic>
+          <a:p>
+            <a:r>
+              <a:rPr lang="zh-CN" altLang="en-US"/>
+              <a:t>private_network</a:t>
+            </a:r>
+            <a:endParaRPr lang="zh-CN" altLang="en-US"/>
+          </a:p>
+          <a:p>
+            <a:r>
+              <a:rPr lang="zh-CN" altLang="en-US"/>
+              <a:t>public_network</a:t>
+            </a:r>
+            <a:endParaRPr lang="en-US" altLang="zh-CN" sz="1200"/>
+          </a:p>
+        </p:txBody>
+      </p:sp>
     </p:spTree>
     <p:custDataLst>
-      <p:tags r:id="rId3"/>
+      <p:tags r:id="rId1"/>
     </p:custDataLst>
   </p:cSld>
   <p:clrMapOvr>
@@ -5625,13 +5473,16 @@
         </p:nvSpPr>
         <p:spPr/>
         <p:txBody>
-          <a:bodyPr>
-            <a:normAutofit/>
-          </a:bodyPr>
-          <a:p>
-            <a:r>
-              <a:t>三种网络模型</a:t>
-            </a:r>
+          <a:bodyPr/>
+          <a:p>
+            <a:r>
+              <a:t>同步目录</a:t>
+            </a:r>
+            <a:r>
+              <a:rPr lang="en-US" altLang="zh-CN"/>
+              <a:t>synced_folder</a:t>
+            </a:r>
+            <a:endParaRPr lang="en-US" altLang="zh-CN"/>
           </a:p>
         </p:txBody>
       </p:sp>
@@ -5650,32 +5501,20 @@
           <a:bodyPr/>
           <a:p>
             <a:r>
-              <a:rPr>
-                <a:sym typeface="+mn-ea"/>
-              </a:rPr>
-              <a:t>forwarded_por</a:t>
-            </a:r>
-            <a:r>
-              <a:rPr lang="en-US" altLang="zh-CN">
-                <a:sym typeface="+mn-ea"/>
-              </a:rPr>
-              <a:t>t</a:t>
-            </a:r>
-            <a:endParaRPr lang="zh-CN" altLang="en-US"/>
-          </a:p>
-          <a:p>
-            <a:r>
-              <a:rPr lang="zh-CN" altLang="en-US"/>
-              <a:t>private_network</a:t>
-            </a:r>
-            <a:endParaRPr lang="zh-CN" altLang="en-US"/>
-          </a:p>
-          <a:p>
-            <a:r>
-              <a:rPr lang="zh-CN" altLang="en-US"/>
-              <a:t>public_network</a:t>
-            </a:r>
-            <a:endParaRPr lang="zh-CN" altLang="en-US"/>
+              <a:rPr lang="en-US" altLang="zh-CN"/>
+              <a:t>/vagrant</a:t>
+            </a:r>
+            <a:endParaRPr lang="en-US" altLang="zh-CN"/>
+          </a:p>
+          <a:p>
+            <a:r>
+              <a:t>设置额外的目录</a:t>
+            </a:r>
+          </a:p>
+          <a:p>
+            <a:pPr marL="0" indent="0">
+              <a:buNone/>
+            </a:pPr>
           </a:p>
         </p:txBody>
       </p:sp>
@@ -5721,11 +5560,12 @@
           <a:bodyPr/>
           <a:p>
             <a:r>
-              <a:t>同步目录</a:t>
+              <a:rPr lang="zh-CN" altLang="en-US"/>
+              <a:t>虚拟机配置</a:t>
             </a:r>
             <a:r>
               <a:rPr lang="en-US" altLang="zh-CN"/>
-              <a:t>synced_folder</a:t>
+              <a:t>(Provider-specific configuration)</a:t>
             </a:r>
             <a:endParaRPr lang="en-US" altLang="zh-CN"/>
           </a:p>
@@ -5746,20 +5586,22 @@
           <a:bodyPr/>
           <a:p>
             <a:r>
+              <a:rPr lang="zh-CN" altLang="en-US"/>
+              <a:t>内存</a:t>
+            </a:r>
+            <a:endParaRPr lang="zh-CN" altLang="en-US"/>
+          </a:p>
+          <a:p>
+            <a:r>
               <a:rPr lang="en-US" altLang="zh-CN"/>
-              <a:t>/vagrant</a:t>
+              <a:t>cpu</a:t>
             </a:r>
             <a:endParaRPr lang="en-US" altLang="zh-CN"/>
           </a:p>
           <a:p>
             <a:r>
-              <a:t>设置额外的目录</a:t>
-            </a:r>
-          </a:p>
-          <a:p>
-            <a:pPr marL="0" indent="0">
-              <a:buNone/>
-            </a:pPr>
+              <a:t>名称</a:t>
+            </a:r>
           </a:p>
         </p:txBody>
       </p:sp>
@@ -5806,13 +5648,15 @@
           <a:p>
             <a:r>
               <a:rPr lang="zh-CN" altLang="en-US"/>
-              <a:t>虚拟机配置</a:t>
+              <a:t>设置器</a:t>
             </a:r>
             <a:r>
               <a:rPr lang="en-US" altLang="zh-CN"/>
-              <a:t>(Provider-specific configuration)</a:t>
-            </a:r>
-            <a:endParaRPr lang="en-US" altLang="zh-CN"/>
+              <a:t>(Provisioners)</a:t>
+            </a:r>
+            <a:r>
+              <a:t>的使用</a:t>
+            </a:r>
           </a:p>
         </p:txBody>
       </p:sp>
@@ -5831,22 +5675,113 @@
           <a:bodyPr/>
           <a:p>
             <a:r>
+              <a:rPr lang="en-US" altLang="zh-CN"/>
+              <a:t>A</a:t>
+            </a:r>
+            <a:r>
               <a:rPr lang="zh-CN" altLang="en-US"/>
-              <a:t>内存</a:t>
+              <a:t>llow you to automatically install software, alter configurations, and more on the machine as part of the </a:t>
+            </a:r>
+            <a:r>
+              <a:rPr lang="zh-CN" altLang="en-US">
+                <a:solidFill>
+                  <a:srgbClr val="FF0000"/>
+                </a:solidFill>
+              </a:rPr>
+              <a:t>vagrant up</a:t>
+            </a:r>
+            <a:r>
+              <a:rPr lang="zh-CN" altLang="en-US"/>
+              <a:t> process.</a:t>
             </a:r>
             <a:endParaRPr lang="zh-CN" altLang="en-US"/>
           </a:p>
           <a:p>
+            <a:endParaRPr lang="zh-CN" altLang="en-US"/>
+          </a:p>
+          <a:p>
+            <a:r>
+              <a:rPr lang="zh-CN" altLang="en-US"/>
+              <a:t>什么时间执行</a:t>
+            </a:r>
             <a:r>
               <a:rPr lang="en-US" altLang="zh-CN"/>
-              <a:t>cpu</a:t>
-            </a:r>
-            <a:endParaRPr lang="en-US" altLang="zh-CN"/>
-          </a:p>
-          <a:p>
-            <a:r>
-              <a:t>名称</a:t>
-            </a:r>
+              <a:t>?</a:t>
+            </a:r>
+            <a:endParaRPr lang="zh-CN" altLang="en-US"/>
+          </a:p>
+          <a:p>
+            <a:r>
+              <a:rPr lang="en-US" altLang="zh-CN" sz="1400" b="1"/>
+              <a:t>- 1 </a:t>
+            </a:r>
+            <a:r>
+              <a:rPr sz="1400" b="1"/>
+              <a:t>第一次执行 </a:t>
+            </a:r>
+            <a:r>
+              <a:rPr lang="en-US" altLang="zh-CN" sz="1400" b="1"/>
+              <a:t>vagrant up</a:t>
+            </a:r>
+            <a:endParaRPr lang="en-US" altLang="zh-CN" sz="1400" b="1"/>
+          </a:p>
+          <a:p>
+            <a:r>
+              <a:rPr lang="en-US" altLang="zh-CN" sz="1400" b="1"/>
+              <a:t>- 2 </a:t>
+            </a:r>
+            <a:r>
+              <a:rPr lang="en-US" altLang="zh-CN" sz="1400" b="1">
+                <a:sym typeface="+mn-ea"/>
+              </a:rPr>
+              <a:t>vagrant reload --provision</a:t>
+            </a:r>
+            <a:endParaRPr lang="en-US" altLang="zh-CN" sz="1400" b="1">
+              <a:sym typeface="+mn-ea"/>
+            </a:endParaRPr>
+          </a:p>
+          <a:p>
+            <a:r>
+              <a:rPr lang="en-US" altLang="zh-CN" sz="1400" b="1"/>
+              <a:t>- 3 vagrant  up --provision</a:t>
+            </a:r>
+            <a:endParaRPr lang="en-US" altLang="zh-CN" sz="1400" b="1"/>
+          </a:p>
+          <a:p>
+            <a:r>
+              <a:rPr lang="en-US" altLang="zh-CN" sz="1400"/>
+              <a:t>- 4 </a:t>
+            </a:r>
+            <a:r>
+              <a:rPr lang="en-US" altLang="zh-CN" sz="1400">
+                <a:sym typeface="+mn-ea"/>
+              </a:rPr>
+              <a:t>vagrant provision</a:t>
+            </a:r>
+            <a:endParaRPr lang="en-US" altLang="zh-CN" sz="1400">
+              <a:sym typeface="+mn-ea"/>
+            </a:endParaRPr>
+          </a:p>
+          <a:p>
+            <a:endParaRPr lang="en-US" altLang="zh-CN" sz="1400"/>
+          </a:p>
+          <a:p>
+            <a:pPr algn="l">
+              <a:buClrTx/>
+              <a:buSzTx/>
+            </a:pPr>
+            <a:r>
+              <a:rPr sz="1800"/>
+              <a:t>我们看下文档</a:t>
+            </a:r>
+            <a:endParaRPr sz="1800"/>
+          </a:p>
+          <a:p>
+            <a:pPr algn="l">
+              <a:buClrTx/>
+              <a:buSzTx/>
+            </a:pPr>
+            <a:endParaRPr sz="1800"/>
           </a:p>
         </p:txBody>
       </p:sp>
@@ -6754,20 +6689,13 @@
 
 <file path=ppt/tags/tag71.xml><?xml version="1.0" encoding="utf-8"?>
 <p:tagLst xmlns:p="http://schemas.openxmlformats.org/presentationml/2006/main">
-  <p:tag name="REFSHAPE" val="381764356"/>
-  <p:tag name="KSO_WM_UNIT_PLACING_PICTURE_USER_VIEWPORT" val="{&quot;height&quot;:7495,&quot;width&quot;:12154}"/>
-</p:tagLst>
-</file>
-
-<file path=ppt/tags/tag72.xml><?xml version="1.0" encoding="utf-8"?>
-<p:tagLst xmlns:p="http://schemas.openxmlformats.org/presentationml/2006/main">
   <p:tag name="KSO_WM_BEAUTIFY_FLAG" val="#wm#"/>
   <p:tag name="KSO_WM_TEMPLATE_CATEGORY" val="custom"/>
   <p:tag name="KSO_WM_TEMPLATE_INDEX" val="20205176"/>
 </p:tagLst>
 </file>
 
-<file path=ppt/tags/tag73.xml><?xml version="1.0" encoding="utf-8"?>
+<file path=ppt/tags/tag72.xml><?xml version="1.0" encoding="utf-8"?>
 <p:tagLst xmlns:p="http://schemas.openxmlformats.org/presentationml/2006/main">
   <p:tag name="KSO_WM_BEAUTIFY_FLAG" val="#wm#"/>
   <p:tag name="KSO_WM_TEMPLATE_CATEGORY" val="custom"/>
@@ -6775,7 +6703,7 @@
 </p:tagLst>
 </file>
 
-<file path=ppt/tags/tag74.xml><?xml version="1.0" encoding="utf-8"?>
+<file path=ppt/tags/tag73.xml><?xml version="1.0" encoding="utf-8"?>
 <p:tagLst xmlns:p="http://schemas.openxmlformats.org/presentationml/2006/main">
   <p:tag name="KSO_WM_BEAUTIFY_FLAG" val="#wm#"/>
   <p:tag name="KSO_WM_TEMPLATE_CATEGORY" val="custom"/>
@@ -6783,7 +6711,7 @@
 </p:tagLst>
 </file>
 
-<file path=ppt/tags/tag75.xml><?xml version="1.0" encoding="utf-8"?>
+<file path=ppt/tags/tag74.xml><?xml version="1.0" encoding="utf-8"?>
 <p:tagLst xmlns:p="http://schemas.openxmlformats.org/presentationml/2006/main">
   <p:tag name="KSO_WM_BEAUTIFY_FLAG" val="#wm#"/>
   <p:tag name="KSO_WM_TEMPLATE_CATEGORY" val="custom"/>
@@ -6791,15 +6719,7 @@
 </p:tagLst>
 </file>
 
-<file path=ppt/tags/tag76.xml><?xml version="1.0" encoding="utf-8"?>
-<p:tagLst xmlns:p="http://schemas.openxmlformats.org/presentationml/2006/main">
-  <p:tag name="KSO_WM_BEAUTIFY_FLAG" val="#wm#"/>
-  <p:tag name="KSO_WM_TEMPLATE_CATEGORY" val="custom"/>
-  <p:tag name="KSO_WM_TEMPLATE_INDEX" val="20205176"/>
-</p:tagLst>
-</file>
-
-<file path=ppt/tags/tag77.xml><?xml version="1.0" encoding="utf-8"?>
+<file path=ppt/tags/tag75.xml><?xml version="1.0" encoding="utf-8"?>
 <p:tagLst xmlns:p="http://schemas.openxmlformats.org/presentationml/2006/main">
   <p:tag name="KSO_WM_BEAUTIFY_FLAG" val="#wm#"/>
   <p:tag name="KSO_WM_TEMPLATE_CATEGORY" val="custom"/>
